--- a/lesson13.pptx
+++ b/lesson13.pptx
@@ -150,6 +150,82 @@
 </p:presentation>
 </file>
 
+<file path=ppt/changesInfos/changesInfo1.xml><?xml version="1.0" encoding="utf-8"?>
+<pc:chgInfo xmlns:a="http://schemas.openxmlformats.org/drawingml/2006/main" xmlns:r="http://schemas.openxmlformats.org/officeDocument/2006/relationships" xmlns:ac="http://schemas.microsoft.com/office/drawing/2013/main/command" xmlns:pc="http://schemas.microsoft.com/office/powerpoint/2013/main/command">
+  <pc:docChgLst>
+    <pc:chgData name="Anatoliy Kigel" userId="7432c6c4687b0a9c" providerId="LiveId" clId="{67F24D55-3CEC-4EC8-94DD-40D4212F5286}"/>
+    <pc:docChg chg="custSel modSld">
+      <pc:chgData name="Anatoliy Kigel" userId="7432c6c4687b0a9c" providerId="LiveId" clId="{67F24D55-3CEC-4EC8-94DD-40D4212F5286}" dt="2021-02-08T09:14:11.530" v="198" actId="1076"/>
+      <pc:docMkLst>
+        <pc:docMk/>
+      </pc:docMkLst>
+      <pc:sldChg chg="modSp mod">
+        <pc:chgData name="Anatoliy Kigel" userId="7432c6c4687b0a9c" providerId="LiveId" clId="{67F24D55-3CEC-4EC8-94DD-40D4212F5286}" dt="2021-02-08T09:14:11.530" v="198" actId="1076"/>
+        <pc:sldMkLst>
+          <pc:docMk/>
+          <pc:sldMk cId="3970309085" sldId="707"/>
+        </pc:sldMkLst>
+        <pc:spChg chg="mod">
+          <ac:chgData name="Anatoliy Kigel" userId="7432c6c4687b0a9c" providerId="LiveId" clId="{67F24D55-3CEC-4EC8-94DD-40D4212F5286}" dt="2021-02-08T09:14:11.530" v="198" actId="1076"/>
+          <ac:spMkLst>
+            <pc:docMk/>
+            <pc:sldMk cId="3970309085" sldId="707"/>
+            <ac:spMk id="2" creationId="{00000000-0000-0000-0000-000000000000}"/>
+          </ac:spMkLst>
+        </pc:spChg>
+        <pc:spChg chg="mod">
+          <ac:chgData name="Anatoliy Kigel" userId="7432c6c4687b0a9c" providerId="LiveId" clId="{67F24D55-3CEC-4EC8-94DD-40D4212F5286}" dt="2021-02-08T09:14:11.530" v="198" actId="1076"/>
+          <ac:spMkLst>
+            <pc:docMk/>
+            <pc:sldMk cId="3970309085" sldId="707"/>
+            <ac:spMk id="7" creationId="{00000000-0000-0000-0000-000000000000}"/>
+          </ac:spMkLst>
+        </pc:spChg>
+        <pc:spChg chg="mod">
+          <ac:chgData name="Anatoliy Kigel" userId="7432c6c4687b0a9c" providerId="LiveId" clId="{67F24D55-3CEC-4EC8-94DD-40D4212F5286}" dt="2021-02-08T09:14:11.530" v="198" actId="1076"/>
+          <ac:spMkLst>
+            <pc:docMk/>
+            <pc:sldMk cId="3970309085" sldId="707"/>
+            <ac:spMk id="8" creationId="{00000000-0000-0000-0000-000000000000}"/>
+          </ac:spMkLst>
+        </pc:spChg>
+        <pc:spChg chg="mod">
+          <ac:chgData name="Anatoliy Kigel" userId="7432c6c4687b0a9c" providerId="LiveId" clId="{67F24D55-3CEC-4EC8-94DD-40D4212F5286}" dt="2021-02-08T09:11:08.615" v="139" actId="1036"/>
+          <ac:spMkLst>
+            <pc:docMk/>
+            <pc:sldMk cId="3970309085" sldId="707"/>
+            <ac:spMk id="9" creationId="{00000000-0000-0000-0000-000000000000}"/>
+          </ac:spMkLst>
+        </pc:spChg>
+      </pc:sldChg>
+      <pc:sldChg chg="modSp mod">
+        <pc:chgData name="Anatoliy Kigel" userId="7432c6c4687b0a9c" providerId="LiveId" clId="{67F24D55-3CEC-4EC8-94DD-40D4212F5286}" dt="2021-02-08T09:13:59.482" v="194" actId="1076"/>
+        <pc:sldMkLst>
+          <pc:docMk/>
+          <pc:sldMk cId="3014352394" sldId="751"/>
+        </pc:sldMkLst>
+        <pc:spChg chg="mod">
+          <ac:chgData name="Anatoliy Kigel" userId="7432c6c4687b0a9c" providerId="LiveId" clId="{67F24D55-3CEC-4EC8-94DD-40D4212F5286}" dt="2021-02-08T09:13:59.482" v="194" actId="1076"/>
+          <ac:spMkLst>
+            <pc:docMk/>
+            <pc:sldMk cId="3014352394" sldId="751"/>
+            <ac:spMk id="7" creationId="{00000000-0000-0000-0000-000000000000}"/>
+          </ac:spMkLst>
+        </pc:spChg>
+        <pc:spChg chg="mod">
+          <ac:chgData name="Anatoliy Kigel" userId="7432c6c4687b0a9c" providerId="LiveId" clId="{67F24D55-3CEC-4EC8-94DD-40D4212F5286}" dt="2021-02-08T09:11:26.495" v="152" actId="20577"/>
+          <ac:spMkLst>
+            <pc:docMk/>
+            <pc:sldMk cId="3014352394" sldId="751"/>
+            <ac:spMk id="9" creationId="{00000000-0000-0000-0000-000000000000}"/>
+          </ac:spMkLst>
+        </pc:spChg>
+      </pc:sldChg>
+    </pc:docChg>
+  </pc:docChgLst>
+</pc:chgInfo>
+</file>
+
 <file path=ppt/notesMasters/notesMaster1.xml><?xml version="1.0" encoding="utf-8"?>
 <p:notesMaster xmlns:a="http://schemas.openxmlformats.org/drawingml/2006/main" xmlns:r="http://schemas.openxmlformats.org/officeDocument/2006/relationships" xmlns:p="http://schemas.openxmlformats.org/presentationml/2006/main">
   <p:cSld>
@@ -233,7 +309,7 @@
             <a:fld id="{85522811-C5C6-42D2-A409-F8556720C93F}" type="datetimeFigureOut">
               <a:rPr lang="uk-UA" smtClean="0"/>
               <a:pPr/>
-              <a:t>14.11.2020</a:t>
+              <a:t>08.02.2021</a:t>
             </a:fld>
             <a:endParaRPr lang="uk-UA"/>
           </a:p>
@@ -299,35 +375,35 @@
           <a:p>
             <a:pPr lvl="0"/>
             <a:r>
-              <a:rPr lang="ru-RU" smtClean="0"/>
+              <a:rPr lang="ru-RU"/>
               <a:t>Образец текста</a:t>
             </a:r>
           </a:p>
           <a:p>
             <a:pPr lvl="1"/>
             <a:r>
-              <a:rPr lang="ru-RU" smtClean="0"/>
+              <a:rPr lang="ru-RU"/>
               <a:t>Второй уровень</a:t>
             </a:r>
           </a:p>
           <a:p>
             <a:pPr lvl="2"/>
             <a:r>
-              <a:rPr lang="ru-RU" smtClean="0"/>
+              <a:rPr lang="ru-RU"/>
               <a:t>Третий уровень</a:t>
             </a:r>
           </a:p>
           <a:p>
             <a:pPr lvl="3"/>
             <a:r>
-              <a:rPr lang="ru-RU" smtClean="0"/>
+              <a:rPr lang="ru-RU"/>
               <a:t>Четвертый уровень</a:t>
             </a:r>
           </a:p>
           <a:p>
             <a:pPr lvl="4"/>
             <a:r>
-              <a:rPr lang="ru-RU" smtClean="0"/>
+              <a:rPr lang="ru-RU"/>
               <a:t>Пятый уровень</a:t>
             </a:r>
             <a:endParaRPr lang="uk-UA"/>
@@ -395,7 +471,7 @@
             <a:fld id="{B2668688-711B-4328-ACFB-54B46FA90133}" type="slidenum">
               <a:rPr lang="uk-UA" smtClean="0"/>
               <a:pPr/>
-              <a:t>‹#›</a:t>
+              <a:t>‹№›</a:t>
             </a:fld>
             <a:endParaRPr lang="uk-UA"/>
           </a:p>
@@ -634,7 +710,7 @@
           <a:lstStyle/>
           <a:p>
             <a:r>
-              <a:rPr lang="ru-RU" smtClean="0"/>
+              <a:rPr lang="ru-RU"/>
               <a:t>Образец заголовка</a:t>
             </a:r>
             <a:endParaRPr lang="uk-UA"/>
@@ -753,7 +829,7 @@
           </a:lstStyle>
           <a:p>
             <a:r>
-              <a:rPr lang="ru-RU" smtClean="0"/>
+              <a:rPr lang="ru-RU"/>
               <a:t>Образец подзаголовка</a:t>
             </a:r>
             <a:endParaRPr lang="uk-UA"/>
@@ -778,7 +854,7 @@
             <a:fld id="{0A2E6AC4-C3FE-4E70-88D1-136405B25267}" type="datetime1">
               <a:rPr lang="uk-UA" smtClean="0"/>
               <a:pPr/>
-              <a:t>14.11.2020</a:t>
+              <a:t>08.02.2021</a:t>
             </a:fld>
             <a:endParaRPr lang="uk-UA"/>
           </a:p>
@@ -821,7 +897,7 @@
             <a:fld id="{6389AA22-90B4-448C-8B6B-C699140D38B9}" type="slidenum">
               <a:rPr lang="uk-UA" smtClean="0"/>
               <a:pPr/>
-              <a:t>‹#›</a:t>
+              <a:t>‹№›</a:t>
             </a:fld>
             <a:endParaRPr lang="uk-UA"/>
           </a:p>
@@ -868,7 +944,7 @@
           <a:lstStyle/>
           <a:p>
             <a:r>
-              <a:rPr lang="ru-RU" smtClean="0"/>
+              <a:rPr lang="ru-RU"/>
               <a:t>Образец заголовка</a:t>
             </a:r>
             <a:endParaRPr lang="uk-UA"/>
@@ -892,35 +968,35 @@
           <a:p>
             <a:pPr lvl="0"/>
             <a:r>
-              <a:rPr lang="ru-RU" smtClean="0"/>
+              <a:rPr lang="ru-RU"/>
               <a:t>Образец текста</a:t>
             </a:r>
           </a:p>
           <a:p>
             <a:pPr lvl="1"/>
             <a:r>
-              <a:rPr lang="ru-RU" smtClean="0"/>
+              <a:rPr lang="ru-RU"/>
               <a:t>Второй уровень</a:t>
             </a:r>
           </a:p>
           <a:p>
             <a:pPr lvl="2"/>
             <a:r>
-              <a:rPr lang="ru-RU" smtClean="0"/>
+              <a:rPr lang="ru-RU"/>
               <a:t>Третий уровень</a:t>
             </a:r>
           </a:p>
           <a:p>
             <a:pPr lvl="3"/>
             <a:r>
-              <a:rPr lang="ru-RU" smtClean="0"/>
+              <a:rPr lang="ru-RU"/>
               <a:t>Четвертый уровень</a:t>
             </a:r>
           </a:p>
           <a:p>
             <a:pPr lvl="4"/>
             <a:r>
-              <a:rPr lang="ru-RU" smtClean="0"/>
+              <a:rPr lang="ru-RU"/>
               <a:t>Пятый уровень</a:t>
             </a:r>
             <a:endParaRPr lang="uk-UA"/>
@@ -945,7 +1021,7 @@
             <a:fld id="{B4D85949-5AE9-41F1-B18C-DA1006B0E8CC}" type="datetime1">
               <a:rPr lang="uk-UA" smtClean="0"/>
               <a:pPr/>
-              <a:t>14.11.2020</a:t>
+              <a:t>08.02.2021</a:t>
             </a:fld>
             <a:endParaRPr lang="uk-UA"/>
           </a:p>
@@ -988,7 +1064,7 @@
             <a:fld id="{6389AA22-90B4-448C-8B6B-C699140D38B9}" type="slidenum">
               <a:rPr lang="uk-UA" smtClean="0"/>
               <a:pPr/>
-              <a:t>‹#›</a:t>
+              <a:t>‹№›</a:t>
             </a:fld>
             <a:endParaRPr lang="uk-UA"/>
           </a:p>
@@ -1040,7 +1116,7 @@
           <a:lstStyle/>
           <a:p>
             <a:r>
-              <a:rPr lang="ru-RU" smtClean="0"/>
+              <a:rPr lang="ru-RU"/>
               <a:t>Образец заголовка</a:t>
             </a:r>
             <a:endParaRPr lang="uk-UA"/>
@@ -1069,35 +1145,35 @@
           <a:p>
             <a:pPr lvl="0"/>
             <a:r>
-              <a:rPr lang="ru-RU" smtClean="0"/>
+              <a:rPr lang="ru-RU"/>
               <a:t>Образец текста</a:t>
             </a:r>
           </a:p>
           <a:p>
             <a:pPr lvl="1"/>
             <a:r>
-              <a:rPr lang="ru-RU" smtClean="0"/>
+              <a:rPr lang="ru-RU"/>
               <a:t>Второй уровень</a:t>
             </a:r>
           </a:p>
           <a:p>
             <a:pPr lvl="2"/>
             <a:r>
-              <a:rPr lang="ru-RU" smtClean="0"/>
+              <a:rPr lang="ru-RU"/>
               <a:t>Третий уровень</a:t>
             </a:r>
           </a:p>
           <a:p>
             <a:pPr lvl="3"/>
             <a:r>
-              <a:rPr lang="ru-RU" smtClean="0"/>
+              <a:rPr lang="ru-RU"/>
               <a:t>Четвертый уровень</a:t>
             </a:r>
           </a:p>
           <a:p>
             <a:pPr lvl="4"/>
             <a:r>
-              <a:rPr lang="ru-RU" smtClean="0"/>
+              <a:rPr lang="ru-RU"/>
               <a:t>Пятый уровень</a:t>
             </a:r>
             <a:endParaRPr lang="uk-UA"/>
@@ -1122,7 +1198,7 @@
             <a:fld id="{B20C227C-94C5-4BA1-A89C-1C7570144B22}" type="datetime1">
               <a:rPr lang="uk-UA" smtClean="0"/>
               <a:pPr/>
-              <a:t>14.11.2020</a:t>
+              <a:t>08.02.2021</a:t>
             </a:fld>
             <a:endParaRPr lang="uk-UA"/>
           </a:p>
@@ -1165,7 +1241,7 @@
             <a:fld id="{6389AA22-90B4-448C-8B6B-C699140D38B9}" type="slidenum">
               <a:rPr lang="uk-UA" smtClean="0"/>
               <a:pPr/>
-              <a:t>‹#›</a:t>
+              <a:t>‹№›</a:t>
             </a:fld>
             <a:endParaRPr lang="uk-UA"/>
           </a:p>
@@ -1212,7 +1288,7 @@
           <a:lstStyle/>
           <a:p>
             <a:r>
-              <a:rPr lang="ru-RU" smtClean="0"/>
+              <a:rPr lang="ru-RU"/>
               <a:t>Образец заголовка</a:t>
             </a:r>
             <a:endParaRPr lang="uk-UA"/>
@@ -1236,35 +1312,35 @@
           <a:p>
             <a:pPr lvl="0"/>
             <a:r>
-              <a:rPr lang="ru-RU" smtClean="0"/>
+              <a:rPr lang="ru-RU"/>
               <a:t>Образец текста</a:t>
             </a:r>
           </a:p>
           <a:p>
             <a:pPr lvl="1"/>
             <a:r>
-              <a:rPr lang="ru-RU" smtClean="0"/>
+              <a:rPr lang="ru-RU"/>
               <a:t>Второй уровень</a:t>
             </a:r>
           </a:p>
           <a:p>
             <a:pPr lvl="2"/>
             <a:r>
-              <a:rPr lang="ru-RU" smtClean="0"/>
+              <a:rPr lang="ru-RU"/>
               <a:t>Третий уровень</a:t>
             </a:r>
           </a:p>
           <a:p>
             <a:pPr lvl="3"/>
             <a:r>
-              <a:rPr lang="ru-RU" smtClean="0"/>
+              <a:rPr lang="ru-RU"/>
               <a:t>Четвертый уровень</a:t>
             </a:r>
           </a:p>
           <a:p>
             <a:pPr lvl="4"/>
             <a:r>
-              <a:rPr lang="ru-RU" smtClean="0"/>
+              <a:rPr lang="ru-RU"/>
               <a:t>Пятый уровень</a:t>
             </a:r>
             <a:endParaRPr lang="uk-UA"/>
@@ -1289,7 +1365,7 @@
             <a:fld id="{68E2E168-B245-4D8D-8538-B29990DBF87B}" type="datetime1">
               <a:rPr lang="uk-UA" smtClean="0"/>
               <a:pPr/>
-              <a:t>14.11.2020</a:t>
+              <a:t>08.02.2021</a:t>
             </a:fld>
             <a:endParaRPr lang="uk-UA"/>
           </a:p>
@@ -1332,7 +1408,7 @@
             <a:fld id="{6389AA22-90B4-448C-8B6B-C699140D38B9}" type="slidenum">
               <a:rPr lang="uk-UA" smtClean="0"/>
               <a:pPr/>
-              <a:t>‹#›</a:t>
+              <a:t>‹№›</a:t>
             </a:fld>
             <a:endParaRPr lang="uk-UA"/>
           </a:p>
@@ -1388,7 +1464,7 @@
           </a:lstStyle>
           <a:p>
             <a:r>
-              <a:rPr lang="ru-RU" smtClean="0"/>
+              <a:rPr lang="ru-RU"/>
               <a:t>Образец заголовка</a:t>
             </a:r>
             <a:endParaRPr lang="uk-UA"/>
@@ -1508,7 +1584,7 @@
           <a:p>
             <a:pPr lvl="0"/>
             <a:r>
-              <a:rPr lang="ru-RU" smtClean="0"/>
+              <a:rPr lang="ru-RU"/>
               <a:t>Образец текста</a:t>
             </a:r>
           </a:p>
@@ -1532,7 +1608,7 @@
             <a:fld id="{356DAF6E-7007-4E61-B36E-794BF232B234}" type="datetime1">
               <a:rPr lang="uk-UA" smtClean="0"/>
               <a:pPr/>
-              <a:t>14.11.2020</a:t>
+              <a:t>08.02.2021</a:t>
             </a:fld>
             <a:endParaRPr lang="uk-UA"/>
           </a:p>
@@ -1575,7 +1651,7 @@
             <a:fld id="{6389AA22-90B4-448C-8B6B-C699140D38B9}" type="slidenum">
               <a:rPr lang="uk-UA" smtClean="0"/>
               <a:pPr/>
-              <a:t>‹#›</a:t>
+              <a:t>‹№›</a:t>
             </a:fld>
             <a:endParaRPr lang="uk-UA"/>
           </a:p>
@@ -1622,7 +1698,7 @@
           <a:lstStyle/>
           <a:p>
             <a:r>
-              <a:rPr lang="ru-RU" smtClean="0"/>
+              <a:rPr lang="ru-RU"/>
               <a:t>Образец заголовка</a:t>
             </a:r>
             <a:endParaRPr lang="uk-UA"/>
@@ -1679,35 +1755,35 @@
           <a:p>
             <a:pPr lvl="0"/>
             <a:r>
-              <a:rPr lang="ru-RU" smtClean="0"/>
+              <a:rPr lang="ru-RU"/>
               <a:t>Образец текста</a:t>
             </a:r>
           </a:p>
           <a:p>
             <a:pPr lvl="1"/>
             <a:r>
-              <a:rPr lang="ru-RU" smtClean="0"/>
+              <a:rPr lang="ru-RU"/>
               <a:t>Второй уровень</a:t>
             </a:r>
           </a:p>
           <a:p>
             <a:pPr lvl="2"/>
             <a:r>
-              <a:rPr lang="ru-RU" smtClean="0"/>
+              <a:rPr lang="ru-RU"/>
               <a:t>Третий уровень</a:t>
             </a:r>
           </a:p>
           <a:p>
             <a:pPr lvl="3"/>
             <a:r>
-              <a:rPr lang="ru-RU" smtClean="0"/>
+              <a:rPr lang="ru-RU"/>
               <a:t>Четвертый уровень</a:t>
             </a:r>
           </a:p>
           <a:p>
             <a:pPr lvl="4"/>
             <a:r>
-              <a:rPr lang="ru-RU" smtClean="0"/>
+              <a:rPr lang="ru-RU"/>
               <a:t>Пятый уровень</a:t>
             </a:r>
             <a:endParaRPr lang="uk-UA"/>
@@ -1764,35 +1840,35 @@
           <a:p>
             <a:pPr lvl="0"/>
             <a:r>
-              <a:rPr lang="ru-RU" smtClean="0"/>
+              <a:rPr lang="ru-RU"/>
               <a:t>Образец текста</a:t>
             </a:r>
           </a:p>
           <a:p>
             <a:pPr lvl="1"/>
             <a:r>
-              <a:rPr lang="ru-RU" smtClean="0"/>
+              <a:rPr lang="ru-RU"/>
               <a:t>Второй уровень</a:t>
             </a:r>
           </a:p>
           <a:p>
             <a:pPr lvl="2"/>
             <a:r>
-              <a:rPr lang="ru-RU" smtClean="0"/>
+              <a:rPr lang="ru-RU"/>
               <a:t>Третий уровень</a:t>
             </a:r>
           </a:p>
           <a:p>
             <a:pPr lvl="3"/>
             <a:r>
-              <a:rPr lang="ru-RU" smtClean="0"/>
+              <a:rPr lang="ru-RU"/>
               <a:t>Четвертый уровень</a:t>
             </a:r>
           </a:p>
           <a:p>
             <a:pPr lvl="4"/>
             <a:r>
-              <a:rPr lang="ru-RU" smtClean="0"/>
+              <a:rPr lang="ru-RU"/>
               <a:t>Пятый уровень</a:t>
             </a:r>
             <a:endParaRPr lang="uk-UA"/>
@@ -1817,7 +1893,7 @@
             <a:fld id="{4B2141DD-FE72-44AA-B946-B70892F1F5B7}" type="datetime1">
               <a:rPr lang="uk-UA" smtClean="0"/>
               <a:pPr/>
-              <a:t>14.11.2020</a:t>
+              <a:t>08.02.2021</a:t>
             </a:fld>
             <a:endParaRPr lang="uk-UA"/>
           </a:p>
@@ -1860,7 +1936,7 @@
             <a:fld id="{6389AA22-90B4-448C-8B6B-C699140D38B9}" type="slidenum">
               <a:rPr lang="uk-UA" smtClean="0"/>
               <a:pPr/>
-              <a:t>‹#›</a:t>
+              <a:t>‹№›</a:t>
             </a:fld>
             <a:endParaRPr lang="uk-UA"/>
           </a:p>
@@ -1911,7 +1987,7 @@
           </a:lstStyle>
           <a:p>
             <a:r>
-              <a:rPr lang="ru-RU" smtClean="0"/>
+              <a:rPr lang="ru-RU"/>
               <a:t>Образец заголовка</a:t>
             </a:r>
             <a:endParaRPr lang="uk-UA"/>
@@ -1977,7 +2053,7 @@
           <a:p>
             <a:pPr lvl="0"/>
             <a:r>
-              <a:rPr lang="ru-RU" smtClean="0"/>
+              <a:rPr lang="ru-RU"/>
               <a:t>Образец текста</a:t>
             </a:r>
           </a:p>
@@ -2033,35 +2109,35 @@
           <a:p>
             <a:pPr lvl="0"/>
             <a:r>
-              <a:rPr lang="ru-RU" smtClean="0"/>
+              <a:rPr lang="ru-RU"/>
               <a:t>Образец текста</a:t>
             </a:r>
           </a:p>
           <a:p>
             <a:pPr lvl="1"/>
             <a:r>
-              <a:rPr lang="ru-RU" smtClean="0"/>
+              <a:rPr lang="ru-RU"/>
               <a:t>Второй уровень</a:t>
             </a:r>
           </a:p>
           <a:p>
             <a:pPr lvl="2"/>
             <a:r>
-              <a:rPr lang="ru-RU" smtClean="0"/>
+              <a:rPr lang="ru-RU"/>
               <a:t>Третий уровень</a:t>
             </a:r>
           </a:p>
           <a:p>
             <a:pPr lvl="3"/>
             <a:r>
-              <a:rPr lang="ru-RU" smtClean="0"/>
+              <a:rPr lang="ru-RU"/>
               <a:t>Четвертый уровень</a:t>
             </a:r>
           </a:p>
           <a:p>
             <a:pPr lvl="4"/>
             <a:r>
-              <a:rPr lang="ru-RU" smtClean="0"/>
+              <a:rPr lang="ru-RU"/>
               <a:t>Пятый уровень</a:t>
             </a:r>
             <a:endParaRPr lang="uk-UA"/>
@@ -2127,7 +2203,7 @@
           <a:p>
             <a:pPr lvl="0"/>
             <a:r>
-              <a:rPr lang="ru-RU" smtClean="0"/>
+              <a:rPr lang="ru-RU"/>
               <a:t>Образец текста</a:t>
             </a:r>
           </a:p>
@@ -2183,35 +2259,35 @@
           <a:p>
             <a:pPr lvl="0"/>
             <a:r>
-              <a:rPr lang="ru-RU" smtClean="0"/>
+              <a:rPr lang="ru-RU"/>
               <a:t>Образец текста</a:t>
             </a:r>
           </a:p>
           <a:p>
             <a:pPr lvl="1"/>
             <a:r>
-              <a:rPr lang="ru-RU" smtClean="0"/>
+              <a:rPr lang="ru-RU"/>
               <a:t>Второй уровень</a:t>
             </a:r>
           </a:p>
           <a:p>
             <a:pPr lvl="2"/>
             <a:r>
-              <a:rPr lang="ru-RU" smtClean="0"/>
+              <a:rPr lang="ru-RU"/>
               <a:t>Третий уровень</a:t>
             </a:r>
           </a:p>
           <a:p>
             <a:pPr lvl="3"/>
             <a:r>
-              <a:rPr lang="ru-RU" smtClean="0"/>
+              <a:rPr lang="ru-RU"/>
               <a:t>Четвертый уровень</a:t>
             </a:r>
           </a:p>
           <a:p>
             <a:pPr lvl="4"/>
             <a:r>
-              <a:rPr lang="ru-RU" smtClean="0"/>
+              <a:rPr lang="ru-RU"/>
               <a:t>Пятый уровень</a:t>
             </a:r>
             <a:endParaRPr lang="uk-UA"/>
@@ -2236,7 +2312,7 @@
             <a:fld id="{D1C4DC7C-6CC4-4D1F-A21B-A650800E0532}" type="datetime1">
               <a:rPr lang="uk-UA" smtClean="0"/>
               <a:pPr/>
-              <a:t>14.11.2020</a:t>
+              <a:t>08.02.2021</a:t>
             </a:fld>
             <a:endParaRPr lang="uk-UA"/>
           </a:p>
@@ -2279,7 +2355,7 @@
             <a:fld id="{6389AA22-90B4-448C-8B6B-C699140D38B9}" type="slidenum">
               <a:rPr lang="uk-UA" smtClean="0"/>
               <a:pPr/>
-              <a:t>‹#›</a:t>
+              <a:t>‹№›</a:t>
             </a:fld>
             <a:endParaRPr lang="uk-UA"/>
           </a:p>
@@ -2326,7 +2402,7 @@
           <a:lstStyle/>
           <a:p>
             <a:r>
-              <a:rPr lang="ru-RU" smtClean="0"/>
+              <a:rPr lang="ru-RU"/>
               <a:t>Образец заголовка</a:t>
             </a:r>
             <a:endParaRPr lang="uk-UA"/>
@@ -2351,7 +2427,7 @@
             <a:fld id="{09E753FA-BE70-4E9D-A1A2-A798C2E22C2C}" type="datetime1">
               <a:rPr lang="uk-UA" smtClean="0"/>
               <a:pPr/>
-              <a:t>14.11.2020</a:t>
+              <a:t>08.02.2021</a:t>
             </a:fld>
             <a:endParaRPr lang="uk-UA"/>
           </a:p>
@@ -2394,7 +2470,7 @@
             <a:fld id="{6389AA22-90B4-448C-8B6B-C699140D38B9}" type="slidenum">
               <a:rPr lang="uk-UA" smtClean="0"/>
               <a:pPr/>
-              <a:t>‹#›</a:t>
+              <a:t>‹№›</a:t>
             </a:fld>
             <a:endParaRPr lang="uk-UA"/>
           </a:p>
@@ -2443,7 +2519,7 @@
             <a:fld id="{BC4E9D1B-A194-48C6-B5A1-4C29D0F81227}" type="datetime1">
               <a:rPr lang="uk-UA" smtClean="0"/>
               <a:pPr/>
-              <a:t>14.11.2020</a:t>
+              <a:t>08.02.2021</a:t>
             </a:fld>
             <a:endParaRPr lang="uk-UA"/>
           </a:p>
@@ -2486,7 +2562,7 @@
             <a:fld id="{6389AA22-90B4-448C-8B6B-C699140D38B9}" type="slidenum">
               <a:rPr lang="uk-UA" smtClean="0"/>
               <a:pPr/>
-              <a:t>‹#›</a:t>
+              <a:t>‹№›</a:t>
             </a:fld>
             <a:endParaRPr lang="uk-UA"/>
           </a:p>
@@ -2542,7 +2618,7 @@
           </a:lstStyle>
           <a:p>
             <a:r>
-              <a:rPr lang="ru-RU" smtClean="0"/>
+              <a:rPr lang="ru-RU"/>
               <a:t>Образец заголовка</a:t>
             </a:r>
             <a:endParaRPr lang="uk-UA"/>
@@ -2599,35 +2675,35 @@
           <a:p>
             <a:pPr lvl="0"/>
             <a:r>
-              <a:rPr lang="ru-RU" smtClean="0"/>
+              <a:rPr lang="ru-RU"/>
               <a:t>Образец текста</a:t>
             </a:r>
           </a:p>
           <a:p>
             <a:pPr lvl="1"/>
             <a:r>
-              <a:rPr lang="ru-RU" smtClean="0"/>
+              <a:rPr lang="ru-RU"/>
               <a:t>Второй уровень</a:t>
             </a:r>
           </a:p>
           <a:p>
             <a:pPr lvl="2"/>
             <a:r>
-              <a:rPr lang="ru-RU" smtClean="0"/>
+              <a:rPr lang="ru-RU"/>
               <a:t>Третий уровень</a:t>
             </a:r>
           </a:p>
           <a:p>
             <a:pPr lvl="3"/>
             <a:r>
-              <a:rPr lang="ru-RU" smtClean="0"/>
+              <a:rPr lang="ru-RU"/>
               <a:t>Четвертый уровень</a:t>
             </a:r>
           </a:p>
           <a:p>
             <a:pPr lvl="4"/>
             <a:r>
-              <a:rPr lang="ru-RU" smtClean="0"/>
+              <a:rPr lang="ru-RU"/>
               <a:t>Пятый уровень</a:t>
             </a:r>
             <a:endParaRPr lang="uk-UA"/>
@@ -2693,7 +2769,7 @@
           <a:p>
             <a:pPr lvl="0"/>
             <a:r>
-              <a:rPr lang="ru-RU" smtClean="0"/>
+              <a:rPr lang="ru-RU"/>
               <a:t>Образец текста</a:t>
             </a:r>
           </a:p>
@@ -2717,7 +2793,7 @@
             <a:fld id="{98DC5B78-3AEE-4E8C-84A2-DF8B252C6B7D}" type="datetime1">
               <a:rPr lang="uk-UA" smtClean="0"/>
               <a:pPr/>
-              <a:t>14.11.2020</a:t>
+              <a:t>08.02.2021</a:t>
             </a:fld>
             <a:endParaRPr lang="uk-UA"/>
           </a:p>
@@ -2760,7 +2836,7 @@
             <a:fld id="{6389AA22-90B4-448C-8B6B-C699140D38B9}" type="slidenum">
               <a:rPr lang="uk-UA" smtClean="0"/>
               <a:pPr/>
-              <a:t>‹#›</a:t>
+              <a:t>‹№›</a:t>
             </a:fld>
             <a:endParaRPr lang="uk-UA"/>
           </a:p>
@@ -2816,7 +2892,7 @@
           </a:lstStyle>
           <a:p>
             <a:r>
-              <a:rPr lang="ru-RU" smtClean="0"/>
+              <a:rPr lang="ru-RU"/>
               <a:t>Образец заголовка</a:t>
             </a:r>
             <a:endParaRPr lang="uk-UA"/>
@@ -2943,7 +3019,7 @@
           <a:p>
             <a:pPr lvl="0"/>
             <a:r>
-              <a:rPr lang="ru-RU" smtClean="0"/>
+              <a:rPr lang="ru-RU"/>
               <a:t>Образец текста</a:t>
             </a:r>
           </a:p>
@@ -2967,7 +3043,7 @@
             <a:fld id="{08E6AC05-7690-4D29-B090-15CFA8055B58}" type="datetime1">
               <a:rPr lang="uk-UA" smtClean="0"/>
               <a:pPr/>
-              <a:t>14.11.2020</a:t>
+              <a:t>08.02.2021</a:t>
             </a:fld>
             <a:endParaRPr lang="uk-UA"/>
           </a:p>
@@ -3010,7 +3086,7 @@
             <a:fld id="{6389AA22-90B4-448C-8B6B-C699140D38B9}" type="slidenum">
               <a:rPr lang="uk-UA" smtClean="0"/>
               <a:pPr/>
-              <a:t>‹#›</a:t>
+              <a:t>‹№›</a:t>
             </a:fld>
             <a:endParaRPr lang="uk-UA"/>
           </a:p>
@@ -3072,7 +3148,7 @@
           <a:lstStyle/>
           <a:p>
             <a:r>
-              <a:rPr lang="ru-RU" smtClean="0"/>
+              <a:rPr lang="ru-RU"/>
               <a:t>Образец заголовка</a:t>
             </a:r>
             <a:endParaRPr lang="uk-UA"/>
@@ -3106,35 +3182,35 @@
           <a:p>
             <a:pPr lvl="0"/>
             <a:r>
-              <a:rPr lang="ru-RU" smtClean="0"/>
+              <a:rPr lang="ru-RU"/>
               <a:t>Образец текста</a:t>
             </a:r>
           </a:p>
           <a:p>
             <a:pPr lvl="1"/>
             <a:r>
-              <a:rPr lang="ru-RU" smtClean="0"/>
+              <a:rPr lang="ru-RU"/>
               <a:t>Второй уровень</a:t>
             </a:r>
           </a:p>
           <a:p>
             <a:pPr lvl="2"/>
             <a:r>
-              <a:rPr lang="ru-RU" smtClean="0"/>
+              <a:rPr lang="ru-RU"/>
               <a:t>Третий уровень</a:t>
             </a:r>
           </a:p>
           <a:p>
             <a:pPr lvl="3"/>
             <a:r>
-              <a:rPr lang="ru-RU" smtClean="0"/>
+              <a:rPr lang="ru-RU"/>
               <a:t>Четвертый уровень</a:t>
             </a:r>
           </a:p>
           <a:p>
             <a:pPr lvl="4"/>
             <a:r>
-              <a:rPr lang="ru-RU" smtClean="0"/>
+              <a:rPr lang="ru-RU"/>
               <a:t>Пятый уровень</a:t>
             </a:r>
             <a:endParaRPr lang="uk-UA"/>
@@ -3177,7 +3253,7 @@
             <a:fld id="{C4778AB5-85A2-4D58-9351-A198925B541D}" type="datetime1">
               <a:rPr lang="uk-UA" smtClean="0"/>
               <a:pPr/>
-              <a:t>14.11.2020</a:t>
+              <a:t>08.02.2021</a:t>
             </a:fld>
             <a:endParaRPr lang="uk-UA"/>
           </a:p>
@@ -3256,7 +3332,7 @@
             <a:fld id="{6389AA22-90B4-448C-8B6B-C699140D38B9}" type="slidenum">
               <a:rPr lang="uk-UA" smtClean="0"/>
               <a:pPr/>
-              <a:t>‹#›</a:t>
+              <a:t>‹№›</a:t>
             </a:fld>
             <a:endParaRPr lang="uk-UA"/>
           </a:p>
@@ -3587,7 +3663,7 @@
           <a:p>
             <a:pPr algn="ctr"/>
             <a:r>
-              <a:rPr lang="ru-RU" sz="4400" b="1" dirty="0" smtClean="0">
+              <a:rPr lang="ru-RU" sz="4400" b="1" dirty="0">
                 <a:solidFill>
                   <a:schemeClr val="bg1"/>
                 </a:solidFill>
@@ -3721,7 +3797,7 @@
           <a:p>
             <a:pPr algn="ctr" fontAlgn="base"/>
             <a:r>
-              <a:rPr lang="en-US" sz="3200" b="1" dirty="0" smtClean="0">
+              <a:rPr lang="en-US" sz="3200" b="1" dirty="0">
                 <a:solidFill>
                   <a:schemeClr val="bg1"/>
                 </a:solidFill>
@@ -3730,7 +3806,7 @@
               <a:t>ORT</a:t>
             </a:r>
             <a:r>
-              <a:rPr lang="en-US" sz="3200" b="1" dirty="0" smtClean="0">
+              <a:rPr lang="en-US" sz="3200" b="1" dirty="0">
                 <a:solidFill>
                   <a:srgbClr val="FFC000"/>
                 </a:solidFill>
@@ -3739,7 +3815,7 @@
               <a:t>DNIPRO</a:t>
             </a:r>
             <a:r>
-              <a:rPr lang="en-US" sz="3200" b="1" dirty="0" smtClean="0">
+              <a:rPr lang="en-US" sz="3200" b="1" dirty="0">
                 <a:solidFill>
                   <a:schemeClr val="bg1"/>
                 </a:solidFill>
@@ -3748,7 +3824,7 @@
               <a:t>.ORG</a:t>
             </a:r>
             <a:r>
-              <a:rPr lang="en-US" sz="3200" b="1" dirty="0" smtClean="0">
+              <a:rPr lang="en-US" sz="3200" b="1" dirty="0">
                 <a:solidFill>
                   <a:srgbClr val="FFC000"/>
                 </a:solidFill>
@@ -3775,13 +3851,6 @@
   <p:clrMapOvr>
     <a:masterClrMapping/>
   </p:clrMapOvr>
-  <p:timing>
-    <p:tnLst>
-      <p:par>
-        <p:cTn id="1" dur="indefinite" restart="never" nodeType="tmRoot"/>
-      </p:par>
-    </p:tnLst>
-  </p:timing>
 </p:sld>
 </file>
 
@@ -3844,7 +3913,7 @@
           <a:p>
             <a:pPr algn="ctr"/>
             <a:r>
-              <a:rPr lang="ru-RU" sz="6000" b="1" dirty="0" smtClean="0"/>
+              <a:rPr lang="ru-RU" sz="6000" b="1" dirty="0"/>
               <a:t>2. </a:t>
             </a:r>
             <a:r>
@@ -3865,13 +3934,6 @@
   <p:clrMapOvr>
     <a:masterClrMapping/>
   </p:clrMapOvr>
-  <p:timing>
-    <p:tnLst>
-      <p:par>
-        <p:cTn id="1" dur="indefinite" restart="never" nodeType="tmRoot"/>
-      </p:par>
-    </p:tnLst>
-  </p:timing>
 </p:sld>
 </file>
 
@@ -3994,23 +4056,7 @@
             </a:r>
             <a:r>
               <a:rPr lang="ru-RU" sz="2400" dirty="0"/>
-              <a:t>, который </a:t>
-            </a:r>
-            <a:r>
-              <a:rPr lang="ru-RU" sz="2400" dirty="0" smtClean="0"/>
-              <a:t>указывает </a:t>
-            </a:r>
-            <a:r>
-              <a:rPr lang="ru-RU" sz="2400" dirty="0"/>
-              <a:t>браузеру, что необходимо ориентироваться на </a:t>
-            </a:r>
-            <a:r>
-              <a:rPr lang="ru-RU" sz="2400" dirty="0" smtClean="0"/>
-              <a:t>реальные размеры </a:t>
-            </a:r>
-            <a:r>
-              <a:rPr lang="ru-RU" sz="2400" dirty="0"/>
-              <a:t>устройства. </a:t>
+              <a:t>, который указывает браузеру, что необходимо ориентироваться на реальные размеры устройства. </a:t>
             </a:r>
           </a:p>
         </p:txBody>
@@ -4122,11 +4168,11 @@
           <a:p>
             <a:pPr algn="ctr"/>
             <a:r>
-              <a:rPr lang="en-US" sz="3600" b="1" dirty="0" smtClean="0"/>
+              <a:rPr lang="en-US" sz="3600" b="1" dirty="0"/>
               <a:t>Viewport / </a:t>
             </a:r>
             <a:r>
-              <a:rPr lang="ru-RU" sz="3600" b="1" dirty="0" smtClean="0"/>
+              <a:rPr lang="ru-RU" sz="3600" b="1" dirty="0"/>
               <a:t>Видимая область браузера</a:t>
             </a:r>
             <a:endParaRPr lang="uk-UA" sz="3600" b="1" dirty="0"/>
@@ -4155,20 +4201,8 @@
           <a:lstStyle/>
           <a:p>
             <a:r>
-              <a:rPr lang="ru-RU" sz="2400" dirty="0" smtClean="0"/>
-              <a:t>Мобильные </a:t>
-            </a:r>
-            <a:r>
               <a:rPr lang="ru-RU" sz="2400" dirty="0"/>
-              <a:t>браузеры имеют </a:t>
-            </a:r>
-            <a:r>
-              <a:rPr lang="ru-RU" sz="2400" dirty="0" smtClean="0"/>
-              <a:t>интересный </a:t>
-            </a:r>
-            <a:r>
-              <a:rPr lang="ru-RU" sz="2400" dirty="0"/>
-              <a:t>подход к отображению сайтов, который можно назвать «</a:t>
+              <a:t>Мобильные браузеры имеют интересный подход к отображению сайтов, который можно назвать «</a:t>
             </a:r>
             <a:r>
               <a:rPr lang="ru-RU" sz="2400" b="1" dirty="0"/>
@@ -4191,13 +4225,6 @@
   <p:clrMapOvr>
     <a:masterClrMapping/>
   </p:clrMapOvr>
-  <p:timing>
-    <p:tnLst>
-      <p:par>
-        <p:cTn id="1" dur="indefinite" restart="never" nodeType="tmRoot"/>
-      </p:par>
-    </p:tnLst>
-  </p:timing>
 </p:sld>
 </file>
 
@@ -4312,11 +4339,11 @@
           <a:p>
             <a:pPr algn="ctr"/>
             <a:r>
-              <a:rPr lang="en-US" sz="3600" b="1" dirty="0" smtClean="0"/>
+              <a:rPr lang="en-US" sz="3600" b="1" dirty="0"/>
               <a:t>Viewport / </a:t>
             </a:r>
             <a:r>
-              <a:rPr lang="ru-RU" sz="3600" b="1" dirty="0" smtClean="0"/>
+              <a:rPr lang="ru-RU" sz="3600" b="1" dirty="0"/>
               <a:t>Видимая область (область видимости)</a:t>
             </a:r>
             <a:endParaRPr lang="uk-UA" sz="3600" b="1" dirty="0"/>
@@ -4431,13 +4458,6 @@
   <p:clrMapOvr>
     <a:masterClrMapping/>
   </p:clrMapOvr>
-  <p:timing>
-    <p:tnLst>
-      <p:par>
-        <p:cTn id="1" dur="indefinite" restart="never" nodeType="tmRoot"/>
-      </p:par>
-    </p:tnLst>
-  </p:timing>
 </p:sld>
 </file>
 
@@ -4500,7 +4520,7 @@
           <a:p>
             <a:pPr algn="ctr"/>
             <a:r>
-              <a:rPr lang="ru-RU" sz="6000" b="1" dirty="0" smtClean="0"/>
+              <a:rPr lang="ru-RU" sz="6000" b="1" dirty="0"/>
               <a:t>3. </a:t>
             </a:r>
             <a:r>
@@ -4521,13 +4541,6 @@
   <p:clrMapOvr>
     <a:masterClrMapping/>
   </p:clrMapOvr>
-  <p:timing>
-    <p:tnLst>
-      <p:par>
-        <p:cTn id="1" dur="indefinite" restart="never" nodeType="tmRoot"/>
-      </p:par>
-    </p:tnLst>
-  </p:timing>
 </p:sld>
 </file>
 
@@ -4642,14 +4655,10 @@
           <a:p>
             <a:r>
               <a:rPr lang="en-US" sz="3200" b="1" dirty="0"/>
-              <a:t>CSS Media </a:t>
-            </a:r>
-            <a:r>
-              <a:rPr lang="en-US" sz="3200" b="1" dirty="0" smtClean="0"/>
-              <a:t>Queries  </a:t>
-            </a:r>
-            <a:r>
-              <a:rPr lang="ru-RU" sz="3200" b="1" dirty="0" err="1" smtClean="0">
+              <a:t>CSS Media Queries  </a:t>
+            </a:r>
+            <a:r>
+              <a:rPr lang="ru-RU" sz="3200" b="1" dirty="0" err="1">
                 <a:solidFill>
                   <a:schemeClr val="accent6">
                     <a:lumMod val="75000"/>
@@ -4756,13 +4765,6 @@
   <p:clrMapOvr>
     <a:masterClrMapping/>
   </p:clrMapOvr>
-  <p:timing>
-    <p:tnLst>
-      <p:par>
-        <p:cTn id="1" dur="indefinite" restart="never" nodeType="tmRoot"/>
-      </p:par>
-    </p:tnLst>
-  </p:timing>
 </p:sld>
 </file>
 
@@ -4966,14 +4968,10 @@
             <a:pPr algn="ctr"/>
             <a:r>
               <a:rPr lang="en-US" sz="3200" b="1" dirty="0"/>
-              <a:t>CSS Media </a:t>
-            </a:r>
-            <a:r>
-              <a:rPr lang="en-US" sz="3200" b="1" dirty="0" smtClean="0"/>
-              <a:t>Queries | </a:t>
-            </a:r>
-            <a:r>
-              <a:rPr lang="ru-RU" sz="3200" b="1" dirty="0" err="1" smtClean="0"/>
+              <a:t>CSS Media Queries | </a:t>
+            </a:r>
+            <a:r>
+              <a:rPr lang="ru-RU" sz="3200" b="1" dirty="0" err="1"/>
               <a:t>Медиазапросы</a:t>
             </a:r>
             <a:endParaRPr lang="ru-RU" sz="3200" b="1" dirty="0"/>
@@ -4990,13 +4988,6 @@
   <p:clrMapOvr>
     <a:masterClrMapping/>
   </p:clrMapOvr>
-  <p:timing>
-    <p:tnLst>
-      <p:par>
-        <p:cTn id="1" dur="indefinite" restart="never" nodeType="tmRoot"/>
-      </p:par>
-    </p:tnLst>
-  </p:timing>
 </p:sld>
 </file>
 
@@ -5059,7 +5050,7 @@
           <a:p>
             <a:pPr algn="ctr"/>
             <a:r>
-              <a:rPr lang="ru-RU" sz="6000" b="1" dirty="0" smtClean="0"/>
+              <a:rPr lang="ru-RU" sz="6000" b="1" dirty="0"/>
               <a:t>4. Категории устройств?</a:t>
             </a:r>
             <a:endParaRPr lang="uk-UA" sz="6000" b="1" dirty="0"/>
@@ -5076,13 +5067,6 @@
   <p:clrMapOvr>
     <a:masterClrMapping/>
   </p:clrMapOvr>
-  <p:timing>
-    <p:tnLst>
-      <p:par>
-        <p:cTn id="1" dur="indefinite" restart="never" nodeType="tmRoot"/>
-      </p:par>
-    </p:tnLst>
-  </p:timing>
 </p:sld>
 </file>
 
@@ -5197,26 +5181,25 @@
           <a:p>
             <a:pPr algn="ctr"/>
             <a:r>
-              <a:rPr lang="ru-RU" sz="3200" b="1" dirty="0" smtClean="0"/>
+              <a:rPr lang="ru-RU" sz="3200" b="1" dirty="0"/>
               <a:t>Категории устройств</a:t>
             </a:r>
             <a:r>
-              <a:rPr lang="en-US" sz="3200" b="1" dirty="0" smtClean="0"/>
+              <a:rPr lang="en-US" sz="3200" b="1" dirty="0"/>
               <a:t> </a:t>
             </a:r>
             <a:r>
-              <a:rPr lang="ru-RU" sz="3200" b="1" dirty="0" smtClean="0"/>
+              <a:rPr lang="ru-RU" sz="3200" b="1" dirty="0"/>
               <a:t>по версии </a:t>
             </a:r>
             <a:r>
-              <a:rPr lang="en-US" sz="3200" b="1" dirty="0" smtClean="0"/>
+              <a:rPr lang="en-US" sz="3200" b="1" dirty="0"/>
               <a:t>Bootstrap</a:t>
             </a:r>
             <a:r>
-              <a:rPr lang="ru-RU" sz="3200" b="1" dirty="0" smtClean="0"/>
+              <a:rPr lang="ru-RU" sz="3200" b="1" dirty="0"/>
               <a:t> 5</a:t>
             </a:r>
-            <a:endParaRPr lang="ru-RU" sz="3200" b="1" dirty="0"/>
           </a:p>
         </p:txBody>
       </p:sp>
@@ -5245,35 +5228,27 @@
             <a:pPr algn="ctr"/>
             <a:r>
               <a:rPr lang="ru-RU" sz="2000" dirty="0"/>
-              <a:t>К</a:t>
-            </a:r>
-            <a:r>
-              <a:rPr lang="ru-RU" sz="2000" dirty="0" smtClean="0"/>
-              <a:t>аждый разработчик волен сам выбирать размеры для использования в </a:t>
-            </a:r>
-            <a:r>
-              <a:rPr lang="ru-RU" sz="2000" dirty="0" err="1" smtClean="0"/>
+              <a:t>Каждый разработчик волен сам выбирать размеры для использования в </a:t>
+            </a:r>
+            <a:r>
+              <a:rPr lang="ru-RU" sz="2000" dirty="0" err="1"/>
               <a:t>медиазапросах</a:t>
             </a:r>
             <a:r>
-              <a:rPr lang="uk-UA" sz="2000" dirty="0" smtClean="0"/>
+              <a:rPr lang="uk-UA" sz="2000" dirty="0"/>
               <a:t>, н</a:t>
             </a:r>
             <a:r>
-              <a:rPr lang="ru-RU" sz="2000" dirty="0" smtClean="0"/>
+              <a:rPr lang="ru-RU" sz="2000" dirty="0"/>
               <a:t>о де-факто в качестве стандарта многие используют размеры применяемые в библиотеке </a:t>
             </a:r>
             <a:r>
-              <a:rPr lang="en-US" sz="2000" b="1" dirty="0" smtClean="0"/>
+              <a:rPr lang="en-US" sz="2000" b="1" dirty="0"/>
               <a:t>Bootstrap</a:t>
             </a:r>
             <a:r>
               <a:rPr lang="ru-RU" sz="2000" dirty="0"/>
-              <a:t>.</a:t>
-            </a:r>
-            <a:r>
-              <a:rPr lang="ru-RU" sz="2000" dirty="0" smtClean="0"/>
-              <a:t> </a:t>
+              <a:t>. </a:t>
             </a:r>
             <a:endParaRPr lang="uk-UA" sz="2000" dirty="0"/>
           </a:p>
@@ -5313,13 +5288,6 @@
   <p:clrMapOvr>
     <a:masterClrMapping/>
   </p:clrMapOvr>
-  <p:timing>
-    <p:tnLst>
-      <p:par>
-        <p:cTn id="1" dur="indefinite" restart="never" nodeType="tmRoot"/>
-      </p:par>
-    </p:tnLst>
-  </p:timing>
 </p:sld>
 </file>
 
@@ -5382,11 +5350,11 @@
           <a:p>
             <a:pPr algn="ctr"/>
             <a:r>
-              <a:rPr lang="ru-RU" sz="6600" b="1" dirty="0" smtClean="0"/>
+              <a:rPr lang="ru-RU" sz="6600" b="1" dirty="0"/>
               <a:t>5. </a:t>
             </a:r>
             <a:r>
-              <a:rPr lang="it-IT" sz="6600" b="1" dirty="0" smtClean="0"/>
+              <a:rPr lang="it-IT" sz="6600" b="1" dirty="0"/>
               <a:t>Mobile First</a:t>
             </a:r>
             <a:endParaRPr lang="uk-UA" sz="6600" b="1" dirty="0"/>
@@ -5403,13 +5371,6 @@
   <p:clrMapOvr>
     <a:masterClrMapping/>
   </p:clrMapOvr>
-  <p:timing>
-    <p:tnLst>
-      <p:par>
-        <p:cTn id="1" dur="indefinite" restart="never" nodeType="tmRoot"/>
-      </p:par>
-    </p:tnLst>
-  </p:timing>
 </p:sld>
 </file>
 
@@ -5524,7 +5485,7 @@
           <a:p>
             <a:pPr algn="ctr"/>
             <a:r>
-              <a:rPr lang="en-US" sz="3200" b="1" dirty="0" smtClean="0"/>
+              <a:rPr lang="en-US" sz="3200" b="1" dirty="0"/>
               <a:t>Mobile First</a:t>
             </a:r>
             <a:endParaRPr lang="ru-RU" sz="3200" b="1" dirty="0"/>
@@ -5554,7 +5515,7 @@
           <a:lstStyle/>
           <a:p>
             <a:r>
-              <a:rPr lang="en-US" sz="2000" b="1" dirty="0" smtClean="0">
+              <a:rPr lang="en-US" sz="2000" b="1" dirty="0">
                 <a:solidFill>
                   <a:srgbClr val="00B050"/>
                 </a:solidFill>
@@ -5562,19 +5523,19 @@
               <a:t>Mobile First </a:t>
             </a:r>
             <a:r>
-              <a:rPr lang="en-US" sz="2000" dirty="0" smtClean="0"/>
+              <a:rPr lang="en-US" sz="2000" dirty="0"/>
               <a:t>– </a:t>
             </a:r>
             <a:r>
-              <a:rPr lang="ru-RU" sz="2000" dirty="0" smtClean="0"/>
+              <a:rPr lang="ru-RU" sz="2000" dirty="0"/>
               <a:t>подход при котором первоначально создаётся вёрстка под мобильные устройства, а при помощи </a:t>
             </a:r>
             <a:r>
-              <a:rPr lang="ru-RU" sz="2000" dirty="0" err="1" smtClean="0"/>
+              <a:rPr lang="ru-RU" sz="2000" dirty="0" err="1"/>
               <a:t>медиазапросов</a:t>
             </a:r>
             <a:r>
-              <a:rPr lang="ru-RU" sz="2000" dirty="0" smtClean="0"/>
+              <a:rPr lang="ru-RU" sz="2000" dirty="0"/>
               <a:t> вносятся изменения адаптирующие вёрстку для более крупных устройств</a:t>
             </a:r>
             <a:endParaRPr lang="uk-UA" sz="2000" dirty="0"/>
@@ -5743,13 +5704,6 @@
   <p:clrMapOvr>
     <a:masterClrMapping/>
   </p:clrMapOvr>
-  <p:timing>
-    <p:tnLst>
-      <p:par>
-        <p:cTn id="1" dur="indefinite" restart="never" nodeType="tmRoot"/>
-      </p:par>
-    </p:tnLst>
-  </p:timing>
 </p:sld>
 </file>
 
@@ -5910,10 +5864,9 @@
           <a:p>
             <a:pPr algn="ctr"/>
             <a:r>
-              <a:rPr lang="ru-RU" sz="3200" b="1" dirty="0" smtClean="0"/>
+              <a:rPr lang="ru-RU" sz="3200" b="1" dirty="0"/>
               <a:t>Адаптивность / Адаптивная вёрстка</a:t>
             </a:r>
-            <a:endParaRPr lang="ru-RU" sz="3200" b="1" dirty="0"/>
           </a:p>
         </p:txBody>
       </p:sp>
@@ -5951,13 +5904,6 @@
   <p:clrMapOvr>
     <a:masterClrMapping/>
   </p:clrMapOvr>
-  <p:timing>
-    <p:tnLst>
-      <p:par>
-        <p:cTn id="1" dur="indefinite" restart="never" nodeType="tmRoot"/>
-      </p:par>
-    </p:tnLst>
-  </p:timing>
 </p:sld>
 </file>
 
@@ -6020,11 +5966,11 @@
           <a:p>
             <a:pPr algn="ctr"/>
             <a:r>
-              <a:rPr lang="en-US" sz="6000" b="1" dirty="0" smtClean="0"/>
+              <a:rPr lang="en-US" sz="6000" b="1" dirty="0"/>
               <a:t>6. </a:t>
             </a:r>
             <a:r>
-              <a:rPr lang="ru-RU" sz="6000" b="1" dirty="0" smtClean="0"/>
+              <a:rPr lang="ru-RU" sz="6000" b="1" dirty="0"/>
               <a:t>Немного практики</a:t>
             </a:r>
             <a:endParaRPr lang="uk-UA" sz="6000" b="1" dirty="0"/>
@@ -6041,13 +5987,6 @@
   <p:clrMapOvr>
     <a:masterClrMapping/>
   </p:clrMapOvr>
-  <p:timing>
-    <p:tnLst>
-      <p:par>
-        <p:cTn id="1" dur="indefinite" restart="never" nodeType="tmRoot"/>
-      </p:par>
-    </p:tnLst>
-  </p:timing>
 </p:sld>
 </file>
 
@@ -6092,22 +6031,13 @@
           <a:p>
             <a:pPr algn="ctr"/>
             <a:r>
-              <a:rPr lang="en-US" sz="4800" b="1" dirty="0" smtClean="0"/>
+              <a:rPr lang="en-US" sz="4800" b="1" dirty="0"/>
               <a:t>CSS Grid </a:t>
             </a:r>
             <a:r>
-              <a:rPr lang="ru-RU" sz="4800" b="1" dirty="0" smtClean="0"/>
-              <a:t>+ </a:t>
-            </a:r>
-            <a:r>
               <a:rPr lang="ru-RU" sz="4800" b="1" dirty="0"/>
-              <a:t>А</a:t>
-            </a:r>
-            <a:r>
-              <a:rPr lang="ru-RU" sz="4800" b="1" dirty="0" smtClean="0"/>
-              <a:t>даптивность</a:t>
-            </a:r>
-            <a:endParaRPr lang="ru-RU" sz="4800" b="1" dirty="0"/>
+              <a:t>+ Адаптивность</a:t>
+            </a:r>
           </a:p>
         </p:txBody>
       </p:sp>
@@ -6390,13 +6320,6 @@
   <p:clrMapOvr>
     <a:masterClrMapping/>
   </p:clrMapOvr>
-  <p:timing>
-    <p:tnLst>
-      <p:par>
-        <p:cTn id="1" dur="indefinite" restart="never" nodeType="tmRoot"/>
-      </p:par>
-    </p:tnLst>
-  </p:timing>
 </p:sld>
 </file>
 
@@ -6459,11 +6382,11 @@
           <a:p>
             <a:pPr algn="ctr"/>
             <a:r>
-              <a:rPr lang="en-US" sz="6000" b="1" dirty="0" smtClean="0"/>
+              <a:rPr lang="en-US" sz="6000" b="1" dirty="0"/>
               <a:t>7. Google </a:t>
             </a:r>
             <a:r>
-              <a:rPr lang="en-US" sz="6000" b="1" dirty="0" smtClean="0">
+              <a:rPr lang="en-US" sz="6000" b="1" dirty="0">
                 <a:solidFill>
                   <a:schemeClr val="accent6">
                     <a:lumMod val="75000"/>
@@ -6473,14 +6396,14 @@
               <a:t>Mobile</a:t>
             </a:r>
             <a:r>
-              <a:rPr lang="en-US" sz="6000" b="1" dirty="0" smtClean="0"/>
+              <a:rPr lang="en-US" sz="6000" b="1" dirty="0"/>
               <a:t> </a:t>
             </a:r>
             <a:br>
-              <a:rPr lang="en-US" sz="6000" b="1" dirty="0" smtClean="0"/>
+              <a:rPr lang="en-US" sz="6000" b="1" dirty="0"/>
             </a:br>
             <a:r>
-              <a:rPr lang="en-US" sz="6000" b="1" dirty="0" smtClean="0">
+              <a:rPr lang="en-US" sz="6000" b="1" dirty="0">
                 <a:solidFill>
                   <a:srgbClr val="92D050"/>
                 </a:solidFill>
@@ -6488,11 +6411,11 @@
               <a:t>Friendly</a:t>
             </a:r>
             <a:r>
-              <a:rPr lang="en-US" sz="6000" b="1" dirty="0" smtClean="0"/>
+              <a:rPr lang="en-US" sz="6000" b="1" dirty="0"/>
               <a:t> </a:t>
             </a:r>
             <a:r>
-              <a:rPr lang="en-US" sz="6000" b="1" dirty="0" smtClean="0">
+              <a:rPr lang="en-US" sz="6000" b="1" dirty="0">
                 <a:solidFill>
                   <a:srgbClr val="FFFF00"/>
                 </a:solidFill>
@@ -6517,13 +6440,6 @@
   <p:clrMapOvr>
     <a:masterClrMapping/>
   </p:clrMapOvr>
-  <p:timing>
-    <p:tnLst>
-      <p:par>
-        <p:cTn id="1" dur="indefinite" restart="never" nodeType="tmRoot"/>
-      </p:par>
-    </p:tnLst>
-  </p:timing>
 </p:sld>
 </file>
 
@@ -6842,7 +6758,7 @@
           <a:lstStyle/>
           <a:p>
             <a:r>
-              <a:rPr lang="ru-RU" sz="2400" b="1" dirty="0" smtClean="0">
+              <a:rPr lang="ru-RU" sz="2400" b="1" dirty="0">
                 <a:solidFill>
                   <a:srgbClr val="0070C0"/>
                 </a:solidFill>
@@ -6857,7 +6773,7 @@
               <a:buAutoNum type="arabicParenR"/>
             </a:pPr>
             <a:r>
-              <a:rPr lang="ru-RU" sz="2400" b="1" dirty="0" smtClean="0">
+              <a:rPr lang="ru-RU" sz="2400" b="1" dirty="0">
                 <a:latin typeface="Courier New" panose="02070309020205020404" pitchFamily="49" charset="0"/>
                 <a:cs typeface="Courier New" panose="02070309020205020404" pitchFamily="49" charset="0"/>
               </a:rPr>
@@ -6869,7 +6785,7 @@
               <a:buAutoNum type="arabicParenR"/>
             </a:pPr>
             <a:r>
-              <a:rPr lang="ru-RU" sz="2400" b="1" dirty="0" smtClean="0">
+              <a:rPr lang="ru-RU" sz="2400" b="1" dirty="0">
                 <a:latin typeface="Courier New" panose="02070309020205020404" pitchFamily="49" charset="0"/>
                 <a:cs typeface="Courier New" panose="02070309020205020404" pitchFamily="49" charset="0"/>
               </a:rPr>
@@ -6881,7 +6797,7 @@
               <a:buAutoNum type="arabicParenR"/>
             </a:pPr>
             <a:r>
-              <a:rPr lang="ru-RU" sz="2400" b="1" dirty="0" smtClean="0">
+              <a:rPr lang="ru-RU" sz="2400" b="1" dirty="0">
                 <a:latin typeface="Courier New" panose="02070309020205020404" pitchFamily="49" charset="0"/>
                 <a:cs typeface="Courier New" panose="02070309020205020404" pitchFamily="49" charset="0"/>
               </a:rPr>
@@ -6900,13 +6816,6 @@
   <p:clrMapOvr>
     <a:masterClrMapping/>
   </p:clrMapOvr>
-  <p:timing>
-    <p:tnLst>
-      <p:par>
-        <p:cTn id="1" dur="indefinite" restart="never" nodeType="tmRoot"/>
-      </p:par>
-    </p:tnLst>
-  </p:timing>
 </p:sld>
 </file>
 
@@ -6986,13 +6895,6 @@
   <p:clrMapOvr>
     <a:masterClrMapping/>
   </p:clrMapOvr>
-  <p:timing>
-    <p:tnLst>
-      <p:par>
-        <p:cTn id="1" dur="indefinite" restart="never" nodeType="tmRoot"/>
-      </p:par>
-    </p:tnLst>
-  </p:timing>
 </p:sld>
 </file>
 
@@ -7106,7 +7008,7 @@
           <a:lstStyle/>
           <a:p>
             <a:r>
-              <a:rPr lang="ru-RU" sz="4000" b="1" dirty="0" smtClean="0"/>
+              <a:rPr lang="ru-RU" sz="4000" b="1" dirty="0"/>
               <a:t>Домашнее задание*</a:t>
             </a:r>
             <a:endParaRPr lang="uk-UA" sz="4000" b="1" dirty="0">
@@ -7142,23 +7044,23 @@
           <a:lstStyle/>
           <a:p>
             <a:r>
-              <a:rPr lang="en-US" sz="2800" b="1" dirty="0" smtClean="0"/>
+              <a:rPr lang="en-US" sz="2800" b="1" dirty="0"/>
               <a:t>CSS Grid </a:t>
             </a:r>
             <a:r>
-              <a:rPr lang="ru-RU" sz="2800" dirty="0" smtClean="0"/>
+              <a:rPr lang="ru-RU" sz="2800" dirty="0"/>
               <a:t>и </a:t>
             </a:r>
             <a:r>
-              <a:rPr lang="en-US" sz="2800" b="1" dirty="0" err="1" smtClean="0"/>
+              <a:rPr lang="en-US" sz="2800" b="1" dirty="0" err="1"/>
               <a:t>Bootsrap</a:t>
             </a:r>
             <a:r>
-              <a:rPr lang="en-US" sz="2800" b="1" dirty="0" smtClean="0"/>
+              <a:rPr lang="en-US" sz="2800" b="1" dirty="0"/>
               <a:t> </a:t>
             </a:r>
             <a:r>
-              <a:rPr lang="ru-RU" sz="2800" dirty="0" smtClean="0"/>
+              <a:rPr lang="ru-RU" sz="2800" dirty="0"/>
               <a:t>вам в помощь…</a:t>
             </a:r>
             <a:endParaRPr lang="uk-UA" sz="2800" dirty="0"/>
@@ -7227,7 +7129,7 @@
           <a:lstStyle/>
           <a:p>
             <a:r>
-              <a:rPr lang="ru-RU" sz="2000" b="1" dirty="0" smtClean="0">
+              <a:rPr lang="ru-RU" sz="2000" b="1" dirty="0">
                 <a:solidFill>
                   <a:schemeClr val="accent6">
                     <a:lumMod val="75000"/>
@@ -7237,11 +7139,11 @@
               <a:t>Макет</a:t>
             </a:r>
             <a:r>
-              <a:rPr lang="ru-RU" sz="2000" dirty="0" smtClean="0"/>
+              <a:rPr lang="ru-RU" sz="2000" dirty="0"/>
               <a:t> доступен </a:t>
             </a:r>
             <a:r>
-              <a:rPr lang="ru-RU" sz="2000" b="1" dirty="0" smtClean="0">
+              <a:rPr lang="ru-RU" sz="2000" b="1" dirty="0">
                 <a:solidFill>
                   <a:srgbClr val="00B050"/>
                 </a:solidFill>
@@ -7249,7 +7151,7 @@
               <a:t>в </a:t>
             </a:r>
             <a:r>
-              <a:rPr lang="ru-RU" sz="2000" b="1" dirty="0" err="1" smtClean="0">
+              <a:rPr lang="ru-RU" sz="2000" b="1" dirty="0" err="1">
                 <a:solidFill>
                   <a:srgbClr val="00B050"/>
                 </a:solidFill>
@@ -7257,7 +7159,7 @@
               <a:t>репозитории</a:t>
             </a:r>
             <a:r>
-              <a:rPr lang="ru-RU" sz="2000" b="1" dirty="0" smtClean="0">
+              <a:rPr lang="ru-RU" sz="2000" b="1" dirty="0">
                 <a:solidFill>
                   <a:srgbClr val="00B050"/>
                 </a:solidFill>
@@ -7265,7 +7167,7 @@
               <a:t> </a:t>
             </a:r>
             <a:r>
-              <a:rPr lang="ru-RU" sz="2000" b="1" dirty="0" smtClean="0">
+              <a:rPr lang="ru-RU" sz="2000" b="1" dirty="0">
                 <a:solidFill>
                   <a:schemeClr val="accent6">
                     <a:lumMod val="75000"/>
@@ -7275,11 +7177,11 @@
               <a:t>11-го занятия</a:t>
             </a:r>
             <a:r>
-              <a:rPr lang="ru-RU" sz="2000" dirty="0" smtClean="0"/>
+              <a:rPr lang="ru-RU" sz="2000" dirty="0"/>
               <a:t>, в каталоге </a:t>
             </a:r>
             <a:r>
-              <a:rPr lang="en-US" sz="2000" b="1" dirty="0" smtClean="0"/>
+              <a:rPr lang="en-US" sz="2000" b="1" dirty="0"/>
               <a:t>./homework-layout</a:t>
             </a:r>
             <a:endParaRPr lang="uk-UA" sz="2000" b="1" dirty="0"/>
@@ -7329,7 +7231,7 @@
           <a:lstStyle/>
           <a:p>
             <a:r>
-              <a:rPr lang="ru-RU" sz="4000" b="1" dirty="0" smtClean="0">
+              <a:rPr lang="ru-RU" sz="4000" b="1" dirty="0">
                 <a:ln w="6600">
                   <a:solidFill>
                     <a:schemeClr val="accent2"/>
@@ -7393,10 +7295,9 @@
           <a:lstStyle/>
           <a:p>
             <a:r>
-              <a:rPr lang="ru-RU" i="1" dirty="0" smtClean="0"/>
+              <a:rPr lang="ru-RU" i="1" dirty="0"/>
               <a:t>* Адаптивность на 2 категории устройств: мобильные и десктоп.</a:t>
             </a:r>
-            <a:endParaRPr lang="ru-RU" i="1" dirty="0"/>
           </a:p>
         </p:txBody>
       </p:sp>
@@ -7410,13 +7311,6 @@
   <p:clrMapOvr>
     <a:masterClrMapping/>
   </p:clrMapOvr>
-  <p:timing>
-    <p:tnLst>
-      <p:par>
-        <p:cTn id="1" dur="indefinite" restart="never" nodeType="tmRoot"/>
-      </p:par>
-    </p:tnLst>
-  </p:timing>
 </p:sld>
 </file>
 
@@ -7479,13 +7373,6 @@
   <p:clrMapOvr>
     <a:masterClrMapping/>
   </p:clrMapOvr>
-  <p:timing>
-    <p:tnLst>
-      <p:par>
-        <p:cTn id="1" dur="indefinite" restart="never" nodeType="tmRoot"/>
-      </p:par>
-    </p:tnLst>
-  </p:timing>
 </p:sld>
 </file>
 
@@ -7584,8 +7471,8 @@
         </p:nvSpPr>
         <p:spPr>
           <a:xfrm>
-            <a:off x="0" y="323945"/>
-            <a:ext cx="12192000" cy="584775"/>
+            <a:off x="0" y="848906"/>
+            <a:ext cx="12192000" cy="707886"/>
           </a:xfrm>
           <a:prstGeom prst="rect">
             <a:avLst/>
@@ -7600,10 +7487,9 @@
           <a:p>
             <a:pPr algn="ctr"/>
             <a:r>
-              <a:rPr lang="ru-RU" sz="3200" b="1" dirty="0" smtClean="0"/>
+              <a:rPr lang="ru-RU" sz="4000" b="1" dirty="0"/>
               <a:t>Постулаты Адаптивности / Адаптивной вёрстки</a:t>
             </a:r>
-            <a:endParaRPr lang="ru-RU" sz="3200" b="1" dirty="0"/>
           </a:p>
         </p:txBody>
       </p:sp>
@@ -7615,8 +7501,8 @@
         </p:nvSpPr>
         <p:spPr>
           <a:xfrm>
-            <a:off x="1343472" y="2248652"/>
-            <a:ext cx="7466468" cy="584775"/>
+            <a:off x="1415480" y="2636912"/>
+            <a:ext cx="8362546" cy="646331"/>
           </a:xfrm>
           <a:prstGeom prst="rect">
             <a:avLst/>
@@ -7630,14 +7516,21 @@
           <a:lstStyle/>
           <a:p>
             <a:r>
-              <a:rPr lang="en-US" sz="3200" b="1" dirty="0" smtClean="0"/>
+              <a:rPr lang="en-US" sz="3600" b="1" dirty="0">
+                <a:solidFill>
+                  <a:srgbClr val="7030A0"/>
+                </a:solidFill>
+              </a:rPr>
               <a:t>1. </a:t>
             </a:r>
             <a:r>
-              <a:rPr lang="ru-RU" sz="3200" b="1" dirty="0" smtClean="0"/>
+              <a:rPr lang="ru-RU" sz="3600" b="1" dirty="0">
+                <a:solidFill>
+                  <a:srgbClr val="7030A0"/>
+                </a:solidFill>
+              </a:rPr>
               <a:t>Отсутствие горизонтальной прокрутки</a:t>
             </a:r>
-            <a:endParaRPr lang="ru-RU" sz="3200" b="1" dirty="0"/>
           </a:p>
         </p:txBody>
       </p:sp>
@@ -7649,8 +7542,8 @@
         </p:nvSpPr>
         <p:spPr>
           <a:xfrm>
-            <a:off x="1343472" y="3176256"/>
-            <a:ext cx="9202199" cy="584775"/>
+            <a:off x="1415480" y="3608304"/>
+            <a:ext cx="10311669" cy="646331"/>
           </a:xfrm>
           <a:prstGeom prst="rect">
             <a:avLst/>
@@ -7664,18 +7557,35 @@
           <a:lstStyle/>
           <a:p>
             <a:r>
-              <a:rPr lang="ru-RU" sz="3200" b="1" dirty="0" smtClean="0"/>
+              <a:rPr lang="ru-RU" sz="3600" b="1" dirty="0">
+                <a:solidFill>
+                  <a:schemeClr val="accent6">
+                    <a:lumMod val="75000"/>
+                  </a:schemeClr>
+                </a:solidFill>
+              </a:rPr>
               <a:t>2</a:t>
             </a:r>
             <a:r>
-              <a:rPr lang="en-US" sz="3200" b="1" dirty="0" smtClean="0"/>
+              <a:rPr lang="en-US" sz="3600" b="1" dirty="0">
+                <a:solidFill>
+                  <a:schemeClr val="accent6">
+                    <a:lumMod val="75000"/>
+                  </a:schemeClr>
+                </a:solidFill>
+              </a:rPr>
               <a:t>. </a:t>
             </a:r>
             <a:r>
-              <a:rPr lang="ru-RU" sz="3200" b="1" dirty="0" smtClean="0"/>
+              <a:rPr lang="ru-RU" sz="3600" b="1" dirty="0">
+                <a:solidFill>
+                  <a:schemeClr val="accent6">
+                    <a:lumMod val="75000"/>
+                  </a:schemeClr>
+                </a:solidFill>
+              </a:rPr>
               <a:t>«Читаемость» (комфортный размер) элементов</a:t>
             </a:r>
-            <a:endParaRPr lang="ru-RU" sz="3200" b="1" dirty="0"/>
           </a:p>
         </p:txBody>
       </p:sp>
@@ -7687,8 +7597,8 @@
         </p:nvSpPr>
         <p:spPr>
           <a:xfrm>
-            <a:off x="1343472" y="4103860"/>
-            <a:ext cx="9379427" cy="584775"/>
+            <a:off x="1415480" y="4535908"/>
+            <a:ext cx="10505825" cy="646331"/>
           </a:xfrm>
           <a:prstGeom prst="rect">
             <a:avLst/>
@@ -7702,18 +7612,29 @@
           <a:lstStyle/>
           <a:p>
             <a:r>
-              <a:rPr lang="ru-RU" sz="3200" b="1" dirty="0" smtClean="0"/>
+              <a:rPr lang="ru-RU" sz="3600" b="1" dirty="0">
+                <a:solidFill>
+                  <a:srgbClr val="00863D"/>
+                </a:solidFill>
+              </a:rPr>
               <a:t>3</a:t>
             </a:r>
             <a:r>
-              <a:rPr lang="en-US" sz="3200" b="1" dirty="0" smtClean="0"/>
+              <a:rPr lang="en-US" sz="3600" b="1" dirty="0">
+                <a:solidFill>
+                  <a:srgbClr val="00863D"/>
+                </a:solidFill>
+              </a:rPr>
               <a:t>. </a:t>
             </a:r>
             <a:r>
-              <a:rPr lang="ru-RU" sz="3200" b="1" dirty="0" smtClean="0"/>
+              <a:rPr lang="ru-RU" sz="3600" b="1" dirty="0">
+                <a:solidFill>
+                  <a:srgbClr val="00863D"/>
+                </a:solidFill>
+              </a:rPr>
               <a:t>Расстояние между интерактивными элементами</a:t>
             </a:r>
-            <a:endParaRPr lang="ru-RU" sz="3200" b="1" dirty="0"/>
           </a:p>
         </p:txBody>
       </p:sp>
@@ -7727,13 +7648,6 @@
   <p:clrMapOvr>
     <a:masterClrMapping/>
   </p:clrMapOvr>
-  <p:timing>
-    <p:tnLst>
-      <p:par>
-        <p:cTn id="1" dur="indefinite" restart="never" nodeType="tmRoot"/>
-      </p:par>
-    </p:tnLst>
-  </p:timing>
 </p:sld>
 </file>
 
@@ -7832,8 +7746,8 @@
         </p:nvSpPr>
         <p:spPr>
           <a:xfrm>
-            <a:off x="0" y="611977"/>
-            <a:ext cx="12192000" cy="584775"/>
+            <a:off x="0" y="920914"/>
+            <a:ext cx="12192000" cy="707886"/>
           </a:xfrm>
           <a:prstGeom prst="rect">
             <a:avLst/>
@@ -7848,10 +7762,9 @@
           <a:p>
             <a:pPr algn="ctr"/>
             <a:r>
-              <a:rPr lang="ru-RU" sz="3200" b="1" dirty="0" smtClean="0"/>
-              <a:t>Инструменты Адаптивности / Адаптивной вёрстки</a:t>
-            </a:r>
-            <a:endParaRPr lang="ru-RU" sz="3200" b="1" dirty="0"/>
+              <a:rPr lang="ru-RU" sz="4000" b="1" dirty="0"/>
+              <a:t>Подходы Адаптивности / Адаптивной вёрстки</a:t>
+            </a:r>
           </a:p>
         </p:txBody>
       </p:sp>
@@ -7863,8 +7776,8 @@
         </p:nvSpPr>
         <p:spPr>
           <a:xfrm>
-            <a:off x="900100" y="2204864"/>
-            <a:ext cx="10632504" cy="2554545"/>
+            <a:off x="1559496" y="2403383"/>
+            <a:ext cx="10632504" cy="2862322"/>
           </a:xfrm>
           <a:prstGeom prst="rect">
             <a:avLst/>
@@ -7883,138 +7796,66 @@
               <a:buAutoNum type="arabicPeriod"/>
             </a:pPr>
             <a:r>
-              <a:rPr lang="ru-RU" sz="3200" b="1" dirty="0" smtClean="0"/>
-              <a:t>Многоколоночное размещение (</a:t>
-            </a:r>
-            <a:r>
-              <a:rPr lang="en-US" sz="3200" b="1" dirty="0" smtClean="0">
-                <a:solidFill>
-                  <a:srgbClr val="92D050"/>
-                </a:solidFill>
-              </a:rPr>
-              <a:t>Flexbox</a:t>
-            </a:r>
-            <a:r>
-              <a:rPr lang="en-US" sz="3200" b="1" dirty="0" smtClean="0"/>
-              <a:t>, </a:t>
-            </a:r>
-            <a:r>
-              <a:rPr lang="en-US" sz="3200" b="1" dirty="0" smtClean="0">
+              <a:rPr lang="ru-RU" sz="3600" b="1" dirty="0">
                 <a:solidFill>
                   <a:schemeClr val="accent6">
                     <a:lumMod val="75000"/>
                   </a:schemeClr>
                 </a:solidFill>
               </a:rPr>
-              <a:t>CSS Grid</a:t>
-            </a:r>
-            <a:r>
-              <a:rPr lang="ru-RU" sz="3200" b="1" dirty="0" smtClean="0"/>
-              <a:t>)</a:t>
-            </a:r>
-            <a:r>
-              <a:rPr lang="en-US" sz="3200" b="1" dirty="0" smtClean="0"/>
-              <a:t/>
-            </a:r>
-            <a:br>
-              <a:rPr lang="en-US" sz="3200" b="1" dirty="0" smtClean="0"/>
-            </a:br>
-            <a:endParaRPr lang="ru-RU" sz="3200" b="1" dirty="0" smtClean="0"/>
+              <a:t>Управление размерами элементов</a:t>
+            </a:r>
+            <a:endParaRPr lang="en-US" sz="3600" b="1" dirty="0">
+              <a:solidFill>
+                <a:schemeClr val="accent6">
+                  <a:lumMod val="75000"/>
+                </a:schemeClr>
+              </a:solidFill>
+            </a:endParaRPr>
           </a:p>
           <a:p>
             <a:pPr marL="514350" indent="-514350">
               <a:buAutoNum type="arabicPeriod"/>
             </a:pPr>
-            <a:r>
-              <a:rPr lang="ru-RU" sz="3200" b="1" dirty="0" smtClean="0"/>
-              <a:t>Относительные единицы измерения</a:t>
-            </a:r>
-            <a:r>
-              <a:rPr lang="en-US" sz="3200" b="1" dirty="0" smtClean="0"/>
-              <a:t> (</a:t>
-            </a:r>
-            <a:r>
-              <a:rPr lang="en-US" sz="3200" b="1" dirty="0" err="1" smtClean="0">
+            <a:endParaRPr lang="ru-RU" sz="3600" b="1" dirty="0"/>
+          </a:p>
+          <a:p>
+            <a:pPr marL="514350" indent="-514350">
+              <a:buAutoNum type="arabicPeriod"/>
+            </a:pPr>
+            <a:r>
+              <a:rPr lang="ru-RU" sz="3600" b="1" dirty="0">
                 <a:solidFill>
-                  <a:schemeClr val="accent6">
-                    <a:lumMod val="75000"/>
-                  </a:schemeClr>
+                  <a:srgbClr val="00863D"/>
                 </a:solidFill>
               </a:rPr>
-              <a:t>vw</a:t>
-            </a:r>
-            <a:r>
-              <a:rPr lang="en-US" sz="3200" b="1" dirty="0" smtClean="0"/>
-              <a:t>, </a:t>
-            </a:r>
-            <a:r>
-              <a:rPr lang="en-US" sz="3200" b="1" dirty="0" err="1" smtClean="0">
+              <a:t>Управление видимостью элементов</a:t>
+            </a:r>
+            <a:br>
+              <a:rPr lang="en-US" sz="3600" b="1" dirty="0">
+                <a:solidFill>
+                  <a:srgbClr val="00863D"/>
+                </a:solidFill>
+              </a:rPr>
+            </a:br>
+            <a:endParaRPr lang="ru-RU" sz="3600" b="1" dirty="0">
+              <a:solidFill>
+                <a:srgbClr val="00863D"/>
+              </a:solidFill>
+            </a:endParaRPr>
+          </a:p>
+          <a:p>
+            <a:pPr marL="514350" indent="-514350">
+              <a:buAutoNum type="arabicPeriod"/>
+            </a:pPr>
+            <a:r>
+              <a:rPr lang="ru-RU" sz="3600" b="1" dirty="0">
                 <a:solidFill>
                   <a:srgbClr val="7030A0"/>
                 </a:solidFill>
               </a:rPr>
-              <a:t>vh</a:t>
-            </a:r>
-            <a:r>
-              <a:rPr lang="en-US" sz="3200" b="1" dirty="0" smtClean="0"/>
-              <a:t>, </a:t>
-            </a:r>
-            <a:r>
-              <a:rPr lang="en-US" sz="3200" b="1" dirty="0" smtClean="0">
-                <a:solidFill>
-                  <a:srgbClr val="00B0F0"/>
-                </a:solidFill>
-              </a:rPr>
-              <a:t>%</a:t>
-            </a:r>
-            <a:r>
-              <a:rPr lang="en-US" sz="3200" b="1" dirty="0" smtClean="0"/>
-              <a:t>, </a:t>
-            </a:r>
-            <a:r>
-              <a:rPr lang="en-US" sz="3200" b="1" dirty="0" smtClean="0">
-                <a:solidFill>
-                  <a:srgbClr val="92D050"/>
-                </a:solidFill>
-              </a:rPr>
-              <a:t>rem </a:t>
-            </a:r>
-            <a:r>
-              <a:rPr lang="en-US" sz="3200" b="1" dirty="0" smtClean="0"/>
-              <a:t>…)</a:t>
-            </a:r>
-            <a:br>
-              <a:rPr lang="en-US" sz="3200" b="1" dirty="0" smtClean="0"/>
-            </a:br>
-            <a:endParaRPr lang="ru-RU" sz="3200" b="1" dirty="0" smtClean="0"/>
-          </a:p>
-          <a:p>
-            <a:pPr marL="514350" indent="-514350">
-              <a:buAutoNum type="arabicPeriod"/>
-            </a:pPr>
-            <a:r>
-              <a:rPr lang="ru-RU" sz="3200" b="1" dirty="0" err="1" smtClean="0"/>
-              <a:t>Медиазапросы</a:t>
-            </a:r>
-            <a:r>
-              <a:rPr lang="en-US" sz="3200" b="1" dirty="0" smtClean="0"/>
-              <a:t> (</a:t>
-            </a:r>
-            <a:r>
-              <a:rPr lang="en-US" sz="3200" b="1" dirty="0" smtClean="0">
-                <a:solidFill>
-                  <a:schemeClr val="accent6">
-                    <a:lumMod val="75000"/>
-                  </a:schemeClr>
-                </a:solidFill>
-              </a:rPr>
-              <a:t>@media</a:t>
-            </a:r>
-            <a:r>
-              <a:rPr lang="en-US" sz="3200" b="1" dirty="0" smtClean="0"/>
-              <a:t>)</a:t>
-            </a:r>
-            <a:endParaRPr lang="ru-RU" sz="3200" b="1" dirty="0"/>
+              <a:t>Многоколоночное размещение элементов</a:t>
+            </a:r>
           </a:p>
         </p:txBody>
       </p:sp>
@@ -8028,13 +7869,6 @@
   <p:clrMapOvr>
     <a:masterClrMapping/>
   </p:clrMapOvr>
-  <p:timing>
-    <p:tnLst>
-      <p:par>
-        <p:cTn id="1" dur="indefinite" restart="never" nodeType="tmRoot"/>
-      </p:par>
-    </p:tnLst>
-  </p:timing>
 </p:sld>
 </file>
 
@@ -8179,10 +8013,9 @@
           <a:p>
             <a:pPr algn="ctr"/>
             <a:r>
-              <a:rPr lang="ru-RU" sz="3200" b="1" dirty="0" smtClean="0"/>
+              <a:rPr lang="ru-RU" sz="3200" b="1" dirty="0"/>
               <a:t>Многоколоночное размещение элементов</a:t>
             </a:r>
-            <a:endParaRPr lang="ru-RU" sz="3200" b="1" dirty="0"/>
           </a:p>
         </p:txBody>
       </p:sp>
@@ -8196,13 +8029,6 @@
   <p:clrMapOvr>
     <a:masterClrMapping/>
   </p:clrMapOvr>
-  <p:timing>
-    <p:tnLst>
-      <p:par>
-        <p:cTn id="1" dur="indefinite" restart="never" nodeType="tmRoot"/>
-      </p:par>
-    </p:tnLst>
-  </p:timing>
 </p:sld>
 </file>
 
@@ -8265,27 +8091,15 @@
           <a:p>
             <a:pPr algn="ctr"/>
             <a:r>
-              <a:rPr lang="ru-RU" sz="6000" b="1" dirty="0" smtClean="0"/>
-              <a:t>1. </a:t>
-            </a:r>
-            <a:r>
               <a:rPr lang="ru-RU" sz="6000" b="1" dirty="0"/>
-              <a:t>Эмулятор </a:t>
-            </a:r>
-            <a:r>
-              <a:rPr lang="ru-RU" sz="6000" b="1" dirty="0" smtClean="0"/>
-              <a:t/>
+              <a:t>1. Эмулятор </a:t>
             </a:r>
             <a:br>
-              <a:rPr lang="ru-RU" sz="6000" b="1" dirty="0" smtClean="0"/>
+              <a:rPr lang="ru-RU" sz="6000" b="1" dirty="0"/>
             </a:br>
             <a:r>
-              <a:rPr lang="ru-RU" sz="6000" b="1" dirty="0" smtClean="0"/>
-              <a:t>мобильного </a:t>
-            </a:r>
-            <a:r>
               <a:rPr lang="ru-RU" sz="6000" b="1" dirty="0"/>
-              <a:t>браузера</a:t>
+              <a:t>мобильного браузера</a:t>
             </a:r>
             <a:endParaRPr lang="uk-UA" sz="6000" b="1" dirty="0"/>
           </a:p>
@@ -8301,13 +8115,6 @@
   <p:clrMapOvr>
     <a:masterClrMapping/>
   </p:clrMapOvr>
-  <p:timing>
-    <p:tnLst>
-      <p:par>
-        <p:cTn id="1" dur="indefinite" restart="never" nodeType="tmRoot"/>
-      </p:par>
-    </p:tnLst>
-  </p:timing>
 </p:sld>
 </file>
 
@@ -8571,13 +8378,6 @@
   <p:clrMapOvr>
     <a:masterClrMapping/>
   </p:clrMapOvr>
-  <p:timing>
-    <p:tnLst>
-      <p:par>
-        <p:cTn id="1" dur="indefinite" restart="never" nodeType="tmRoot"/>
-      </p:par>
-    </p:tnLst>
-  </p:timing>
 </p:sld>
 </file>
 
@@ -8761,13 +8561,6 @@
   <p:clrMapOvr>
     <a:masterClrMapping/>
   </p:clrMapOvr>
-  <p:timing>
-    <p:tnLst>
-      <p:par>
-        <p:cTn id="1" dur="indefinite" restart="never" nodeType="tmRoot"/>
-      </p:par>
-    </p:tnLst>
-  </p:timing>
 </p:sld>
 </file>
 
